--- a/SAE1-1AG1-MARIE Clement - MOMY Aurore - PORTELLI Angelo - ROSSI Valentin - BEAUQUIER Quentin.pptx
+++ b/SAE1-1AG1-MARIE Clement - MOMY Aurore - PORTELLI Angelo - ROSSI Valentin - BEAUQUIER Quentin.pptx
@@ -286,7 +286,7 @@
           <a:p>
             <a:fld id="{73B831B2-D030-4AB8-A210-4A614870B8D6}" type="datetimeFigureOut">
               <a:rPr lang="fr-FR" smtClean="0"/>
-              <a:t>25/11/2022</a:t>
+              <a:t>26/11/2022</a:t>
             </a:fld>
             <a:endParaRPr lang="fr-FR"/>
           </a:p>
@@ -484,7 +484,7 @@
           <a:p>
             <a:fld id="{73B831B2-D030-4AB8-A210-4A614870B8D6}" type="datetimeFigureOut">
               <a:rPr lang="fr-FR" smtClean="0"/>
-              <a:t>25/11/2022</a:t>
+              <a:t>26/11/2022</a:t>
             </a:fld>
             <a:endParaRPr lang="fr-FR"/>
           </a:p>
@@ -692,7 +692,7 @@
           <a:p>
             <a:fld id="{73B831B2-D030-4AB8-A210-4A614870B8D6}" type="datetimeFigureOut">
               <a:rPr lang="fr-FR" smtClean="0"/>
-              <a:t>25/11/2022</a:t>
+              <a:t>26/11/2022</a:t>
             </a:fld>
             <a:endParaRPr lang="fr-FR"/>
           </a:p>
@@ -890,7 +890,7 @@
           <a:p>
             <a:fld id="{73B831B2-D030-4AB8-A210-4A614870B8D6}" type="datetimeFigureOut">
               <a:rPr lang="fr-FR" smtClean="0"/>
-              <a:t>25/11/2022</a:t>
+              <a:t>26/11/2022</a:t>
             </a:fld>
             <a:endParaRPr lang="fr-FR"/>
           </a:p>
@@ -1165,7 +1165,7 @@
           <a:p>
             <a:fld id="{73B831B2-D030-4AB8-A210-4A614870B8D6}" type="datetimeFigureOut">
               <a:rPr lang="fr-FR" smtClean="0"/>
-              <a:t>25/11/2022</a:t>
+              <a:t>26/11/2022</a:t>
             </a:fld>
             <a:endParaRPr lang="fr-FR"/>
           </a:p>
@@ -1430,7 +1430,7 @@
           <a:p>
             <a:fld id="{73B831B2-D030-4AB8-A210-4A614870B8D6}" type="datetimeFigureOut">
               <a:rPr lang="fr-FR" smtClean="0"/>
-              <a:t>25/11/2022</a:t>
+              <a:t>26/11/2022</a:t>
             </a:fld>
             <a:endParaRPr lang="fr-FR"/>
           </a:p>
@@ -1842,7 +1842,7 @@
           <a:p>
             <a:fld id="{73B831B2-D030-4AB8-A210-4A614870B8D6}" type="datetimeFigureOut">
               <a:rPr lang="fr-FR" smtClean="0"/>
-              <a:t>25/11/2022</a:t>
+              <a:t>26/11/2022</a:t>
             </a:fld>
             <a:endParaRPr lang="fr-FR"/>
           </a:p>
@@ -1983,7 +1983,7 @@
           <a:p>
             <a:fld id="{73B831B2-D030-4AB8-A210-4A614870B8D6}" type="datetimeFigureOut">
               <a:rPr lang="fr-FR" smtClean="0"/>
-              <a:t>25/11/2022</a:t>
+              <a:t>26/11/2022</a:t>
             </a:fld>
             <a:endParaRPr lang="fr-FR"/>
           </a:p>
@@ -2096,7 +2096,7 @@
           <a:p>
             <a:fld id="{73B831B2-D030-4AB8-A210-4A614870B8D6}" type="datetimeFigureOut">
               <a:rPr lang="fr-FR" smtClean="0"/>
-              <a:t>25/11/2022</a:t>
+              <a:t>26/11/2022</a:t>
             </a:fld>
             <a:endParaRPr lang="fr-FR"/>
           </a:p>
@@ -2407,7 +2407,7 @@
           <a:p>
             <a:fld id="{73B831B2-D030-4AB8-A210-4A614870B8D6}" type="datetimeFigureOut">
               <a:rPr lang="fr-FR" smtClean="0"/>
-              <a:t>25/11/2022</a:t>
+              <a:t>26/11/2022</a:t>
             </a:fld>
             <a:endParaRPr lang="fr-FR"/>
           </a:p>
@@ -2695,7 +2695,7 @@
           <a:p>
             <a:fld id="{73B831B2-D030-4AB8-A210-4A614870B8D6}" type="datetimeFigureOut">
               <a:rPr lang="fr-FR" smtClean="0"/>
-              <a:t>25/11/2022</a:t>
+              <a:t>26/11/2022</a:t>
             </a:fld>
             <a:endParaRPr lang="fr-FR"/>
           </a:p>
@@ -2936,7 +2936,7 @@
           <a:p>
             <a:fld id="{73B831B2-D030-4AB8-A210-4A614870B8D6}" type="datetimeFigureOut">
               <a:rPr lang="fr-FR" smtClean="0"/>
-              <a:t>25/11/2022</a:t>
+              <a:t>26/11/2022</a:t>
             </a:fld>
             <a:endParaRPr lang="fr-FR"/>
           </a:p>
@@ -3472,7 +3472,7 @@
         <p:spPr>
           <a:xfrm>
             <a:off x="1748167" y="2017752"/>
-            <a:ext cx="9086850" cy="1107996"/>
+            <a:ext cx="9086850" cy="1015663"/>
           </a:xfrm>
           <a:prstGeom prst="rect">
             <a:avLst/>
@@ -3487,7 +3487,7 @@
           <a:p>
             <a:pPr algn="ctr"/>
             <a:r>
-              <a:rPr lang="fr-FR" sz="6600" b="1" dirty="0">
+              <a:rPr lang="fr-FR" sz="6000" b="1" dirty="0">
                 <a:solidFill>
                   <a:srgbClr val="C7E2E7"/>
                 </a:solidFill>
@@ -4067,13 +4067,13 @@
   <p:clrMapOvr>
     <a:masterClrMapping/>
   </p:clrMapOvr>
-  <mc:AlternateContent xmlns:mc="http://schemas.openxmlformats.org/markup-compatibility/2006">
-    <mc:Choice xmlns:p159="http://schemas.microsoft.com/office/powerpoint/2015/09/main" Requires="p159">
+  <mc:AlternateContent xmlns:mc="http://schemas.openxmlformats.org/markup-compatibility/2006" xmlns:p159="http://schemas.microsoft.com/office/powerpoint/2015/09/main">
+    <mc:Choice Requires="p159">
       <p:transition xmlns:p14="http://schemas.microsoft.com/office/powerpoint/2010/main" spd="slow" p14:dur="2000">
         <p159:morph option="byObject"/>
       </p:transition>
     </mc:Choice>
-    <mc:Fallback>
+    <mc:Fallback xmlns="">
       <p:transition spd="slow">
         <p:fade/>
       </p:transition>
@@ -4983,13 +4983,13 @@
   <p:clrMapOvr>
     <a:masterClrMapping/>
   </p:clrMapOvr>
-  <mc:AlternateContent xmlns:mc="http://schemas.openxmlformats.org/markup-compatibility/2006">
-    <mc:Choice xmlns:p159="http://schemas.microsoft.com/office/powerpoint/2015/09/main" Requires="p159">
+  <mc:AlternateContent xmlns:mc="http://schemas.openxmlformats.org/markup-compatibility/2006" xmlns:p159="http://schemas.microsoft.com/office/powerpoint/2015/09/main">
+    <mc:Choice Requires="p159">
       <p:transition xmlns:p14="http://schemas.microsoft.com/office/powerpoint/2010/main" spd="slow" p14:dur="2000">
         <p159:morph option="byObject"/>
       </p:transition>
     </mc:Choice>
-    <mc:Fallback>
+    <mc:Fallback xmlns="">
       <p:transition spd="slow">
         <p:fade/>
       </p:transition>
@@ -5622,13 +5622,13 @@
   <p:clrMapOvr>
     <a:masterClrMapping/>
   </p:clrMapOvr>
-  <mc:AlternateContent xmlns:mc="http://schemas.openxmlformats.org/markup-compatibility/2006">
-    <mc:Choice xmlns:p159="http://schemas.microsoft.com/office/powerpoint/2015/09/main" Requires="p159">
+  <mc:AlternateContent xmlns:mc="http://schemas.openxmlformats.org/markup-compatibility/2006" xmlns:p159="http://schemas.microsoft.com/office/powerpoint/2015/09/main">
+    <mc:Choice Requires="p159">
       <p:transition xmlns:p14="http://schemas.microsoft.com/office/powerpoint/2010/main" spd="slow" p14:dur="2000">
         <p159:morph option="byObject"/>
       </p:transition>
     </mc:Choice>
-    <mc:Fallback>
+    <mc:Fallback xmlns="">
       <p:transition spd="slow">
         <p:fade/>
       </p:transition>
@@ -6108,13 +6108,13 @@
   <p:clrMapOvr>
     <a:masterClrMapping/>
   </p:clrMapOvr>
-  <mc:AlternateContent xmlns:mc="http://schemas.openxmlformats.org/markup-compatibility/2006">
-    <mc:Choice xmlns:p14="http://schemas.microsoft.com/office/powerpoint/2010/main" Requires="p14">
+  <mc:AlternateContent xmlns:mc="http://schemas.openxmlformats.org/markup-compatibility/2006" xmlns:p14="http://schemas.microsoft.com/office/powerpoint/2010/main">
+    <mc:Choice Requires="p14">
       <p:transition spd="med" p14:dur="700">
         <p:fade/>
       </p:transition>
     </mc:Choice>
-    <mc:Fallback>
+    <mc:Fallback xmlns="">
       <p:transition spd="med">
         <p:fade/>
       </p:transition>
@@ -6515,13 +6515,13 @@
   <p:clrMapOvr>
     <a:masterClrMapping/>
   </p:clrMapOvr>
-  <mc:AlternateContent xmlns:mc="http://schemas.openxmlformats.org/markup-compatibility/2006">
-    <mc:Choice xmlns:p159="http://schemas.microsoft.com/office/powerpoint/2015/09/main" Requires="p159">
+  <mc:AlternateContent xmlns:mc="http://schemas.openxmlformats.org/markup-compatibility/2006" xmlns:p159="http://schemas.microsoft.com/office/powerpoint/2015/09/main">
+    <mc:Choice Requires="p159">
       <p:transition xmlns:p14="http://schemas.microsoft.com/office/powerpoint/2010/main" spd="slow" p14:dur="2000">
         <p159:morph option="byObject"/>
       </p:transition>
     </mc:Choice>
-    <mc:Fallback>
+    <mc:Fallback xmlns="">
       <p:transition spd="slow">
         <p:fade/>
       </p:transition>
@@ -6753,13 +6753,13 @@
   <p:clrMapOvr>
     <a:masterClrMapping/>
   </p:clrMapOvr>
-  <mc:AlternateContent xmlns:mc="http://schemas.openxmlformats.org/markup-compatibility/2006">
-    <mc:Choice xmlns:p159="http://schemas.microsoft.com/office/powerpoint/2015/09/main" Requires="p159">
+  <mc:AlternateContent xmlns:mc="http://schemas.openxmlformats.org/markup-compatibility/2006" xmlns:p159="http://schemas.microsoft.com/office/powerpoint/2015/09/main">
+    <mc:Choice Requires="p159">
       <p:transition xmlns:p14="http://schemas.microsoft.com/office/powerpoint/2010/main" spd="slow" p14:dur="2000">
         <p159:morph option="byObject"/>
       </p:transition>
     </mc:Choice>
-    <mc:Fallback>
+    <mc:Fallback xmlns="">
       <p:transition spd="slow">
         <p:fade/>
       </p:transition>
@@ -7962,13 +7962,13 @@
   <p:clrMapOvr>
     <a:masterClrMapping/>
   </p:clrMapOvr>
-  <mc:AlternateContent xmlns:mc="http://schemas.openxmlformats.org/markup-compatibility/2006">
-    <mc:Choice xmlns:p159="http://schemas.microsoft.com/office/powerpoint/2015/09/main" Requires="p159">
+  <mc:AlternateContent xmlns:mc="http://schemas.openxmlformats.org/markup-compatibility/2006" xmlns:p159="http://schemas.microsoft.com/office/powerpoint/2015/09/main">
+    <mc:Choice Requires="p159">
       <p:transition xmlns:p14="http://schemas.microsoft.com/office/powerpoint/2010/main" spd="slow" p14:dur="2000">
         <p159:morph option="byObject"/>
       </p:transition>
     </mc:Choice>
-    <mc:Fallback>
+    <mc:Fallback xmlns="">
       <p:transition spd="slow">
         <p:fade/>
       </p:transition>
@@ -8515,13 +8515,13 @@
   <p:clrMapOvr>
     <a:masterClrMapping/>
   </p:clrMapOvr>
-  <mc:AlternateContent xmlns:mc="http://schemas.openxmlformats.org/markup-compatibility/2006">
-    <mc:Choice xmlns:p159="http://schemas.microsoft.com/office/powerpoint/2015/09/main" Requires="p159">
+  <mc:AlternateContent xmlns:mc="http://schemas.openxmlformats.org/markup-compatibility/2006" xmlns:p159="http://schemas.microsoft.com/office/powerpoint/2015/09/main">
+    <mc:Choice Requires="p159">
       <p:transition xmlns:p14="http://schemas.microsoft.com/office/powerpoint/2010/main" spd="slow" p14:dur="2000">
         <p159:morph option="byObject"/>
       </p:transition>
     </mc:Choice>
-    <mc:Fallback>
+    <mc:Fallback xmlns="">
       <p:transition spd="slow">
         <p:fade/>
       </p:transition>
@@ -8988,13 +8988,13 @@
   <p:clrMapOvr>
     <a:masterClrMapping/>
   </p:clrMapOvr>
-  <mc:AlternateContent xmlns:mc="http://schemas.openxmlformats.org/markup-compatibility/2006">
-    <mc:Choice xmlns:p14="http://schemas.microsoft.com/office/powerpoint/2010/main" Requires="p14">
+  <mc:AlternateContent xmlns:mc="http://schemas.openxmlformats.org/markup-compatibility/2006" xmlns:p14="http://schemas.microsoft.com/office/powerpoint/2010/main">
+    <mc:Choice Requires="p14">
       <p:transition spd="med" p14:dur="700">
         <p:fade/>
       </p:transition>
     </mc:Choice>
-    <mc:Fallback>
+    <mc:Fallback xmlns="">
       <p:transition spd="med">
         <p:fade/>
       </p:transition>
@@ -9386,13 +9386,13 @@
   <p:clrMapOvr>
     <a:masterClrMapping/>
   </p:clrMapOvr>
-  <mc:AlternateContent xmlns:mc="http://schemas.openxmlformats.org/markup-compatibility/2006">
-    <mc:Choice xmlns:p159="http://schemas.microsoft.com/office/powerpoint/2015/09/main" Requires="p159">
+  <mc:AlternateContent xmlns:mc="http://schemas.openxmlformats.org/markup-compatibility/2006" xmlns:p159="http://schemas.microsoft.com/office/powerpoint/2015/09/main">
+    <mc:Choice Requires="p159">
       <p:transition xmlns:p14="http://schemas.microsoft.com/office/powerpoint/2010/main" spd="slow" p14:dur="2000">
         <p159:morph option="byObject"/>
       </p:transition>
     </mc:Choice>
-    <mc:Fallback>
+    <mc:Fallback xmlns="">
       <p:transition spd="slow">
         <p:fade/>
       </p:transition>
@@ -9639,13 +9639,13 @@
   <p:clrMapOvr>
     <a:masterClrMapping/>
   </p:clrMapOvr>
-  <mc:AlternateContent xmlns:mc="http://schemas.openxmlformats.org/markup-compatibility/2006">
-    <mc:Choice xmlns:p159="http://schemas.microsoft.com/office/powerpoint/2015/09/main" Requires="p159">
+  <mc:AlternateContent xmlns:mc="http://schemas.openxmlformats.org/markup-compatibility/2006" xmlns:p159="http://schemas.microsoft.com/office/powerpoint/2015/09/main">
+    <mc:Choice Requires="p159">
       <p:transition xmlns:p14="http://schemas.microsoft.com/office/powerpoint/2010/main" spd="slow" p14:dur="2000">
         <p159:morph option="byObject"/>
       </p:transition>
     </mc:Choice>
-    <mc:Fallback>
+    <mc:Fallback xmlns="">
       <p:transition spd="slow">
         <p:fade/>
       </p:transition>
@@ -10073,13 +10073,13 @@
   <p:clrMapOvr>
     <a:masterClrMapping/>
   </p:clrMapOvr>
-  <mc:AlternateContent xmlns:mc="http://schemas.openxmlformats.org/markup-compatibility/2006">
-    <mc:Choice xmlns:p159="http://schemas.microsoft.com/office/powerpoint/2015/09/main" Requires="p159">
+  <mc:AlternateContent xmlns:mc="http://schemas.openxmlformats.org/markup-compatibility/2006" xmlns:p159="http://schemas.microsoft.com/office/powerpoint/2015/09/main">
+    <mc:Choice Requires="p159">
       <p:transition xmlns:p14="http://schemas.microsoft.com/office/powerpoint/2010/main" spd="slow" p14:dur="2000">
         <p159:morph option="byObject"/>
       </p:transition>
     </mc:Choice>
-    <mc:Fallback>
+    <mc:Fallback xmlns="">
       <p:transition spd="slow">
         <p:fade/>
       </p:transition>
@@ -11465,13 +11465,13 @@
   <p:clrMapOvr>
     <a:masterClrMapping/>
   </p:clrMapOvr>
-  <mc:AlternateContent xmlns:mc="http://schemas.openxmlformats.org/markup-compatibility/2006">
-    <mc:Choice xmlns:p159="http://schemas.microsoft.com/office/powerpoint/2015/09/main" Requires="p159">
+  <mc:AlternateContent xmlns:mc="http://schemas.openxmlformats.org/markup-compatibility/2006" xmlns:p159="http://schemas.microsoft.com/office/powerpoint/2015/09/main">
+    <mc:Choice Requires="p159">
       <p:transition xmlns:p14="http://schemas.microsoft.com/office/powerpoint/2010/main" spd="slow" p14:dur="2000">
         <p159:morph option="byObject"/>
       </p:transition>
     </mc:Choice>
-    <mc:Fallback>
+    <mc:Fallback xmlns="">
       <p:transition spd="slow">
         <p:fade/>
       </p:transition>
@@ -11984,13 +11984,13 @@
   <p:clrMapOvr>
     <a:masterClrMapping/>
   </p:clrMapOvr>
-  <mc:AlternateContent xmlns:mc="http://schemas.openxmlformats.org/markup-compatibility/2006">
-    <mc:Choice xmlns:p159="http://schemas.microsoft.com/office/powerpoint/2015/09/main" Requires="p159">
+  <mc:AlternateContent xmlns:mc="http://schemas.openxmlformats.org/markup-compatibility/2006" xmlns:p159="http://schemas.microsoft.com/office/powerpoint/2015/09/main">
+    <mc:Choice Requires="p159">
       <p:transition xmlns:p14="http://schemas.microsoft.com/office/powerpoint/2010/main" spd="slow" p14:dur="2000">
         <p159:morph option="byObject"/>
       </p:transition>
     </mc:Choice>
-    <mc:Fallback>
+    <mc:Fallback xmlns="">
       <p:transition spd="slow">
         <p:fade/>
       </p:transition>
@@ -12590,13 +12590,13 @@
   <p:clrMapOvr>
     <a:masterClrMapping/>
   </p:clrMapOvr>
-  <mc:AlternateContent xmlns:mc="http://schemas.openxmlformats.org/markup-compatibility/2006">
-    <mc:Choice xmlns:p159="http://schemas.microsoft.com/office/powerpoint/2015/09/main" Requires="p159">
+  <mc:AlternateContent xmlns:mc="http://schemas.openxmlformats.org/markup-compatibility/2006" xmlns:p159="http://schemas.microsoft.com/office/powerpoint/2015/09/main">
+    <mc:Choice Requires="p159">
       <p:transition xmlns:p14="http://schemas.microsoft.com/office/powerpoint/2010/main" spd="slow" p14:dur="2000">
         <p159:morph option="byObject"/>
       </p:transition>
     </mc:Choice>
-    <mc:Fallback>
+    <mc:Fallback xmlns="">
       <p:transition spd="slow">
         <p:fade/>
       </p:transition>
@@ -13078,13 +13078,13 @@
   <p:clrMapOvr>
     <a:masterClrMapping/>
   </p:clrMapOvr>
-  <mc:AlternateContent xmlns:mc="http://schemas.openxmlformats.org/markup-compatibility/2006">
-    <mc:Choice xmlns:p159="http://schemas.microsoft.com/office/powerpoint/2015/09/main" Requires="p159">
+  <mc:AlternateContent xmlns:mc="http://schemas.openxmlformats.org/markup-compatibility/2006" xmlns:p159="http://schemas.microsoft.com/office/powerpoint/2015/09/main">
+    <mc:Choice Requires="p159">
       <p:transition xmlns:p14="http://schemas.microsoft.com/office/powerpoint/2010/main" spd="slow" p14:dur="2000">
         <p159:morph option="byObject"/>
       </p:transition>
     </mc:Choice>
-    <mc:Fallback>
+    <mc:Fallback xmlns="">
       <p:transition spd="slow">
         <p:fade/>
       </p:transition>
@@ -13381,13 +13381,13 @@
   <p:clrMapOvr>
     <a:masterClrMapping/>
   </p:clrMapOvr>
-  <mc:AlternateContent xmlns:mc="http://schemas.openxmlformats.org/markup-compatibility/2006">
-    <mc:Choice xmlns:p159="http://schemas.microsoft.com/office/powerpoint/2015/09/main" Requires="p159">
+  <mc:AlternateContent xmlns:mc="http://schemas.openxmlformats.org/markup-compatibility/2006" xmlns:p159="http://schemas.microsoft.com/office/powerpoint/2015/09/main">
+    <mc:Choice Requires="p159">
       <p:transition xmlns:p14="http://schemas.microsoft.com/office/powerpoint/2010/main" spd="slow" p14:dur="2000">
         <p159:morph option="byObject"/>
       </p:transition>
     </mc:Choice>
-    <mc:Fallback>
+    <mc:Fallback xmlns="">
       <p:transition spd="slow">
         <p:fade/>
       </p:transition>
@@ -13752,13 +13752,13 @@
   <p:clrMapOvr>
     <a:masterClrMapping/>
   </p:clrMapOvr>
-  <mc:AlternateContent xmlns:mc="http://schemas.openxmlformats.org/markup-compatibility/2006">
-    <mc:Choice xmlns:p159="http://schemas.microsoft.com/office/powerpoint/2015/09/main" Requires="p159">
+  <mc:AlternateContent xmlns:mc="http://schemas.openxmlformats.org/markup-compatibility/2006" xmlns:p159="http://schemas.microsoft.com/office/powerpoint/2015/09/main">
+    <mc:Choice Requires="p159">
       <p:transition xmlns:p14="http://schemas.microsoft.com/office/powerpoint/2010/main" spd="slow" p14:dur="2000">
         <p159:morph option="byObject"/>
       </p:transition>
     </mc:Choice>
-    <mc:Fallback>
+    <mc:Fallback xmlns="">
       <p:transition spd="slow">
         <p:fade/>
       </p:transition>
@@ -14752,13 +14752,13 @@
   <p:clrMapOvr>
     <a:masterClrMapping/>
   </p:clrMapOvr>
-  <mc:AlternateContent xmlns:mc="http://schemas.openxmlformats.org/markup-compatibility/2006">
-    <mc:Choice xmlns:p159="http://schemas.microsoft.com/office/powerpoint/2015/09/main" Requires="p159">
+  <mc:AlternateContent xmlns:mc="http://schemas.openxmlformats.org/markup-compatibility/2006" xmlns:p159="http://schemas.microsoft.com/office/powerpoint/2015/09/main">
+    <mc:Choice Requires="p159">
       <p:transition xmlns:p14="http://schemas.microsoft.com/office/powerpoint/2010/main" spd="slow" p14:dur="2000">
         <p159:morph option="byObject"/>
       </p:transition>
     </mc:Choice>
-    <mc:Fallback>
+    <mc:Fallback xmlns="">
       <p:transition spd="slow">
         <p:fade/>
       </p:transition>
@@ -14844,13 +14844,13 @@
   <p:clrMapOvr>
     <a:masterClrMapping/>
   </p:clrMapOvr>
-  <mc:AlternateContent xmlns:mc="http://schemas.openxmlformats.org/markup-compatibility/2006">
-    <mc:Choice xmlns:p159="http://schemas.microsoft.com/office/powerpoint/2015/09/main" Requires="p159">
+  <mc:AlternateContent xmlns:mc="http://schemas.openxmlformats.org/markup-compatibility/2006" xmlns:p159="http://schemas.microsoft.com/office/powerpoint/2015/09/main">
+    <mc:Choice Requires="p159">
       <p:transition xmlns:p14="http://schemas.microsoft.com/office/powerpoint/2010/main" spd="slow" p14:dur="2000">
         <p159:morph option="byObject"/>
       </p:transition>
     </mc:Choice>
-    <mc:Fallback>
+    <mc:Fallback xmlns="">
       <p:transition spd="slow">
         <p:fade/>
       </p:transition>
@@ -14936,13 +14936,13 @@
   <p:clrMapOvr>
     <a:masterClrMapping/>
   </p:clrMapOvr>
-  <mc:AlternateContent xmlns:mc="http://schemas.openxmlformats.org/markup-compatibility/2006">
-    <mc:Choice xmlns:p159="http://schemas.microsoft.com/office/powerpoint/2015/09/main" Requires="p159">
+  <mc:AlternateContent xmlns:mc="http://schemas.openxmlformats.org/markup-compatibility/2006" xmlns:p159="http://schemas.microsoft.com/office/powerpoint/2015/09/main">
+    <mc:Choice Requires="p159">
       <p:transition xmlns:p14="http://schemas.microsoft.com/office/powerpoint/2010/main" spd="slow" p14:dur="2000">
         <p159:morph option="byObject"/>
       </p:transition>
     </mc:Choice>
-    <mc:Fallback>
+    <mc:Fallback xmlns="">
       <p:transition spd="slow">
         <p:fade/>
       </p:transition>
@@ -15028,13 +15028,13 @@
   <p:clrMapOvr>
     <a:masterClrMapping/>
   </p:clrMapOvr>
-  <mc:AlternateContent xmlns:mc="http://schemas.openxmlformats.org/markup-compatibility/2006">
-    <mc:Choice xmlns:p159="http://schemas.microsoft.com/office/powerpoint/2015/09/main" Requires="p159">
+  <mc:AlternateContent xmlns:mc="http://schemas.openxmlformats.org/markup-compatibility/2006" xmlns:p159="http://schemas.microsoft.com/office/powerpoint/2015/09/main">
+    <mc:Choice Requires="p159">
       <p:transition xmlns:p14="http://schemas.microsoft.com/office/powerpoint/2010/main" spd="slow" p14:dur="2000">
         <p159:morph option="byObject"/>
       </p:transition>
     </mc:Choice>
-    <mc:Fallback>
+    <mc:Fallback xmlns="">
       <p:transition spd="slow">
         <p:fade/>
       </p:transition>
@@ -15505,13 +15505,13 @@
   <p:clrMapOvr>
     <a:masterClrMapping/>
   </p:clrMapOvr>
-  <mc:AlternateContent xmlns:mc="http://schemas.openxmlformats.org/markup-compatibility/2006">
-    <mc:Choice xmlns:p159="http://schemas.microsoft.com/office/powerpoint/2015/09/main" Requires="p159">
+  <mc:AlternateContent xmlns:mc="http://schemas.openxmlformats.org/markup-compatibility/2006" xmlns:p159="http://schemas.microsoft.com/office/powerpoint/2015/09/main">
+    <mc:Choice Requires="p159">
       <p:transition xmlns:p14="http://schemas.microsoft.com/office/powerpoint/2010/main" spd="slow" p14:dur="2000">
         <p159:morph option="byObject"/>
       </p:transition>
     </mc:Choice>
-    <mc:Fallback>
+    <mc:Fallback xmlns="">
       <p:transition spd="slow">
         <p:fade/>
       </p:transition>
@@ -16496,13 +16496,13 @@
   <p:clrMapOvr>
     <a:masterClrMapping/>
   </p:clrMapOvr>
-  <mc:AlternateContent xmlns:mc="http://schemas.openxmlformats.org/markup-compatibility/2006">
-    <mc:Choice xmlns:p159="http://schemas.microsoft.com/office/powerpoint/2015/09/main" Requires="p159">
+  <mc:AlternateContent xmlns:mc="http://schemas.openxmlformats.org/markup-compatibility/2006" xmlns:p159="http://schemas.microsoft.com/office/powerpoint/2015/09/main">
+    <mc:Choice Requires="p159">
       <p:transition xmlns:p14="http://schemas.microsoft.com/office/powerpoint/2010/main" spd="slow" p14:dur="2000">
         <p159:morph option="byObject"/>
       </p:transition>
     </mc:Choice>
-    <mc:Fallback>
+    <mc:Fallback xmlns="">
       <p:transition spd="slow">
         <p:fade/>
       </p:transition>
@@ -17843,13 +17843,13 @@
   <p:clrMapOvr>
     <a:masterClrMapping/>
   </p:clrMapOvr>
-  <mc:AlternateContent xmlns:mc="http://schemas.openxmlformats.org/markup-compatibility/2006">
-    <mc:Choice xmlns:p159="http://schemas.microsoft.com/office/powerpoint/2015/09/main" Requires="p159">
+  <mc:AlternateContent xmlns:mc="http://schemas.openxmlformats.org/markup-compatibility/2006" xmlns:p159="http://schemas.microsoft.com/office/powerpoint/2015/09/main">
+    <mc:Choice Requires="p159">
       <p:transition xmlns:p14="http://schemas.microsoft.com/office/powerpoint/2010/main" spd="slow" p14:dur="2000">
         <p159:morph option="byObject"/>
       </p:transition>
     </mc:Choice>
-    <mc:Fallback>
+    <mc:Fallback xmlns="">
       <p:transition spd="slow">
         <p:fade/>
       </p:transition>
@@ -18409,13 +18409,13 @@
   <p:clrMapOvr>
     <a:masterClrMapping/>
   </p:clrMapOvr>
-  <mc:AlternateContent xmlns:mc="http://schemas.openxmlformats.org/markup-compatibility/2006">
-    <mc:Choice xmlns:p159="http://schemas.microsoft.com/office/powerpoint/2015/09/main" Requires="p159">
+  <mc:AlternateContent xmlns:mc="http://schemas.openxmlformats.org/markup-compatibility/2006" xmlns:p159="http://schemas.microsoft.com/office/powerpoint/2015/09/main">
+    <mc:Choice Requires="p159">
       <p:transition xmlns:p14="http://schemas.microsoft.com/office/powerpoint/2010/main" spd="slow" p14:dur="2000">
         <p159:morph option="byObject"/>
       </p:transition>
     </mc:Choice>
-    <mc:Fallback>
+    <mc:Fallback xmlns="">
       <p:transition spd="slow">
         <p:fade/>
       </p:transition>
@@ -18807,13 +18807,13 @@
   <p:clrMapOvr>
     <a:masterClrMapping/>
   </p:clrMapOvr>
-  <mc:AlternateContent xmlns:mc="http://schemas.openxmlformats.org/markup-compatibility/2006">
-    <mc:Choice xmlns:p159="http://schemas.microsoft.com/office/powerpoint/2015/09/main" Requires="p159">
+  <mc:AlternateContent xmlns:mc="http://schemas.openxmlformats.org/markup-compatibility/2006" xmlns:p159="http://schemas.microsoft.com/office/powerpoint/2015/09/main">
+    <mc:Choice Requires="p159">
       <p:transition xmlns:p14="http://schemas.microsoft.com/office/powerpoint/2010/main" spd="slow" p14:dur="2000">
         <p159:morph option="byObject"/>
       </p:transition>
     </mc:Choice>
-    <mc:Fallback>
+    <mc:Fallback xmlns="">
       <p:transition spd="slow">
         <p:fade/>
       </p:transition>
@@ -19042,13 +19042,13 @@
   <p:clrMapOvr>
     <a:masterClrMapping/>
   </p:clrMapOvr>
-  <mc:AlternateContent xmlns:mc="http://schemas.openxmlformats.org/markup-compatibility/2006">
-    <mc:Choice xmlns:p159="http://schemas.microsoft.com/office/powerpoint/2015/09/main" Requires="p159">
+  <mc:AlternateContent xmlns:mc="http://schemas.openxmlformats.org/markup-compatibility/2006" xmlns:p159="http://schemas.microsoft.com/office/powerpoint/2015/09/main">
+    <mc:Choice Requires="p159">
       <p:transition xmlns:p14="http://schemas.microsoft.com/office/powerpoint/2010/main" spd="slow" p14:dur="2000">
         <p159:morph option="byObject"/>
       </p:transition>
     </mc:Choice>
-    <mc:Fallback>
+    <mc:Fallback xmlns="">
       <p:transition spd="slow">
         <p:fade/>
       </p:transition>
